--- a/presentation_1890945.pptx
+++ b/presentation_1890945.pptx
@@ -5574,7 +5574,16 @@
           </a:lstStyle>
           <a:p>
             <a:r>
-              <a:t>PREDICTING RISK CATEGORY FORM RESTAURANT INSPECTION DATA</a:t>
+              <a:rPr dirty="0"/>
+              <a:t>PREDICTING RISK CATEGORY FR</a:t>
+            </a:r>
+            <a:r>
+              <a:rPr lang="it-IT" dirty="0"/>
+              <a:t>O</a:t>
+            </a:r>
+            <a:r>
+              <a:rPr dirty="0"/>
+              <a:t>M RESTAURANT INSPECTION DATA</a:t>
             </a:r>
           </a:p>
         </p:txBody>
@@ -5886,11 +5895,15 @@
             </a:pPr>
             <a:r>
               <a:rPr dirty="0" err="1"/>
-              <a:t>Availabe</a:t>
+              <a:t>Availab</a:t>
+            </a:r>
+            <a:r>
+              <a:rPr lang="it-IT" dirty="0"/>
+              <a:t>l</a:t>
             </a:r>
             <a:r>
               <a:rPr dirty="0"/>
-              <a:t> on the following link:  https://</a:t>
+              <a:t>e on the following link:  https://</a:t>
             </a:r>
             <a:r>
               <a:rPr dirty="0" err="1"/>
